--- a/compiler/2014#1Scanner_v0.1.pptx
+++ b/compiler/2014#1Scanner_v0.1.pptx
@@ -157,7 +157,7 @@
   </p:defaultTextStyle>
   <p:extLst>
     <p:ext uri="{EFAFB233-063F-42B5-8137-9DF3F51BA10A}">
-      <p15:sldGuideLst xmlns:p15="http://schemas.microsoft.com/office/powerpoint/2012/main" xmlns="">
+      <p15:sldGuideLst xmlns:p15="http://schemas.microsoft.com/office/powerpoint/2012/main">
         <p15:guide id="1" orient="horz" pos="2160">
           <p15:clr>
             <a:srgbClr val="A4A3A4"/>
@@ -171,7 +171,7 @@
       </p15:sldGuideLst>
     </p:ext>
     <p:ext uri="{2D200454-40CA-4A62-9FC3-DE9A4176ACB9}">
-      <p15:notesGuideLst xmlns:p15="http://schemas.microsoft.com/office/powerpoint/2012/main" xmlns="">
+      <p15:notesGuideLst xmlns:p15="http://schemas.microsoft.com/office/powerpoint/2012/main">
         <p15:guide id="1" orient="horz" pos="2880">
           <p15:clr>
             <a:srgbClr val="A4A3A4"/>
@@ -279,7 +279,7 @@
               <a:pPr>
                 <a:defRPr/>
               </a:pPr>
-              <a:t>2014-10-04</a:t>
+              <a:t>2016-08-12</a:t>
             </a:fld>
             <a:endParaRPr lang="ko-KR" altLang="en-US"/>
           </a:p>
@@ -7330,8 +7330,8 @@
           </a:p>
         </p:txBody>
       </p:sp>
-      <mc:AlternateContent xmlns:mc="http://schemas.openxmlformats.org/markup-compatibility/2006">
-        <mc:Choice xmlns:a14="http://schemas.microsoft.com/office/drawing/2010/main" Requires="a14">
+      <mc:AlternateContent xmlns:mc="http://schemas.openxmlformats.org/markup-compatibility/2006" xmlns:a14="http://schemas.microsoft.com/office/drawing/2010/main">
+        <mc:Choice Requires="a14">
           <p:sp>
             <p:nvSpPr>
               <p:cNvPr id="3" name="내용 개체 틀 2"/>
@@ -7400,7 +7400,6 @@
                   <a:rPr lang="en-US" altLang="ko-KR" dirty="0" smtClean="0"/>
                   <a:t>)	</a:t>
                 </a:r>
-                <a:endParaRPr lang="en-US" altLang="ko-KR" dirty="0" smtClean="0"/>
               </a:p>
               <a:p>
                 <a:endParaRPr lang="en-US" altLang="ko-KR" dirty="0"/>
@@ -7461,7 +7460,7 @@
             </p:txBody>
           </p:sp>
         </mc:Choice>
-        <mc:Fallback>
+        <mc:Fallback xmlns="">
           <p:sp>
             <p:nvSpPr>
               <p:cNvPr id="3" name="내용 개체 틀 2"/>
